--- a/Diapositivas/DesignExampleRun_CurrentSteeringDAC.pptx
+++ b/Diapositivas/DesignExampleRun_CurrentSteeringDAC.pptx
@@ -3954,7 +3954,7 @@
         <p:spPr>
           <a:xfrm>
             <a:off x="1408936" y="418271"/>
-            <a:ext cx="3526735" cy="369332"/>
+            <a:ext cx="3906839" cy="369332"/>
           </a:xfrm>
           <a:prstGeom prst="rect">
             <a:avLst/>
@@ -3968,9 +3968,10 @@
           <a:lstStyle/>
           <a:p>
             <a:r>
-              <a:rPr lang="en-US" b="1" dirty="0"/>
-              <a:t>Phase Interpolator Symbol View</a:t>
-            </a:r>
+              <a:rPr lang="en-US" b="1" dirty="0" smtClean="0"/>
+              <a:t>Current Steering DAC symbol</a:t>
+            </a:r>
+            <a:endParaRPr lang="en-US" b="1" dirty="0"/>
           </a:p>
         </p:txBody>
       </p:sp>
@@ -4055,7 +4056,7 @@
         <p:spPr>
           <a:xfrm>
             <a:off x="1408936" y="184332"/>
-            <a:ext cx="3860737" cy="369332"/>
+            <a:ext cx="5009705" cy="369332"/>
           </a:xfrm>
           <a:prstGeom prst="rect">
             <a:avLst/>
@@ -4069,8 +4070,16 @@
           <a:lstStyle/>
           <a:p>
             <a:r>
+              <a:rPr lang="en-US" b="1" dirty="0" smtClean="0"/>
+              <a:t>Current Steering DAC</a:t>
+            </a:r>
+            <a:r>
+              <a:rPr lang="en-US" b="1" dirty="0" smtClean="0"/>
+              <a:t> </a:t>
+            </a:r>
+            <a:r>
               <a:rPr lang="en-US" b="1" dirty="0"/>
-              <a:t>Phase Interpolator Schematic View</a:t>
+              <a:t>Schematic View</a:t>
             </a:r>
           </a:p>
         </p:txBody>

--- a/Diapositivas/DesignExampleRun_CurrentSteeringDAC.pptx
+++ b/Diapositivas/DesignExampleRun_CurrentSteeringDAC.pptx
@@ -8,7 +8,7 @@
     <p:notesMasterId r:id="rId9"/>
   </p:notesMasterIdLst>
   <p:sldIdLst>
-    <p:sldId id="257" r:id="rId2"/>
+    <p:sldId id="267" r:id="rId2"/>
     <p:sldId id="264" r:id="rId3"/>
     <p:sldId id="260" r:id="rId4"/>
     <p:sldId id="258" r:id="rId5"/>
@@ -3724,7 +3724,7 @@
         </p:nvSpPr>
         <p:spPr>
           <a:xfrm>
-            <a:off x="832103" y="2654300"/>
+            <a:off x="832102" y="2005371"/>
             <a:ext cx="10640754" cy="2451100"/>
           </a:xfrm>
         </p:spPr>
@@ -3780,6 +3780,16 @@
               </a:rPr>
             </a:br>
             <a:r>
+              <a:rPr lang="en-US" sz="4000" b="0" i="0" u="none" strike="noStrike" noProof="0" dirty="0" smtClean="0">
+                <a:solidFill>
+                  <a:srgbClr val="000000"/>
+                </a:solidFill>
+                <a:effectLst/>
+                <a:latin typeface="PT Sans Narrow" panose="020B0506020203020204" pitchFamily="34" charset="0"/>
+              </a:rPr>
+              <a:t>Current Steering DAC</a:t>
+            </a:r>
+            <a:r>
               <a:rPr lang="en-US" sz="4000" b="0" i="0" u="none" strike="noStrike" noProof="0" dirty="0">
                 <a:solidFill>
                   <a:srgbClr val="000000"/>
@@ -3787,7 +3797,7 @@
                 <a:effectLst/>
                 <a:latin typeface="PT Sans Narrow" panose="020B0506020203020204" pitchFamily="34" charset="0"/>
               </a:rPr>
-              <a:t>Phase Interpolator</a:t>
+              <a:t/>
             </a:r>
             <a:br>
               <a:rPr lang="en-US" sz="4000" b="0" i="0" u="none" strike="noStrike" noProof="0" dirty="0">
@@ -3885,7 +3895,7 @@
         </p:blipFill>
         <p:spPr bwMode="auto">
           <a:xfrm>
-            <a:off x="3319641" y="830001"/>
+            <a:off x="3319641" y="489292"/>
             <a:ext cx="5513278" cy="1419669"/>
           </a:xfrm>
           <a:prstGeom prst="rect">
@@ -3903,10 +3913,184 @@
           </a:extLst>
         </p:spPr>
       </p:pic>
+      <p:pic>
+        <p:nvPicPr>
+          <p:cNvPr id="4" name="Imagen 3" descr="Imagen que contiene dibujo, jugador, pelota&#10;&#10;El contenido generado por IA puede ser incorrecto.">
+            <a:extLst>
+              <a:ext uri="{FF2B5EF4-FFF2-40B4-BE49-F238E27FC236}">
+                <a16:creationId xmlns:a16="http://schemas.microsoft.com/office/drawing/2014/main" id="{8EA9759C-DE19-FFFD-4F69-C3AFF69C034F}"/>
+              </a:ext>
+            </a:extLst>
+          </p:cNvPr>
+          <p:cNvPicPr>
+            <a:picLocks noChangeAspect="1"/>
+          </p:cNvPicPr>
+          <p:nvPr/>
+        </p:nvPicPr>
+        <p:blipFill>
+          <a:blip r:embed="rId3">
+            <a:extLst>
+              <a:ext uri="{28A0092B-C50C-407E-A947-70E740481C1C}">
+                <a14:useLocalDpi xmlns:a14="http://schemas.microsoft.com/office/drawing/2010/main" val="0"/>
+              </a:ext>
+            </a:extLst>
+          </a:blip>
+          <a:stretch>
+            <a:fillRect/>
+          </a:stretch>
+        </p:blipFill>
+        <p:spPr>
+          <a:xfrm>
+            <a:off x="8832919" y="5511443"/>
+            <a:ext cx="1649058" cy="299508"/>
+          </a:xfrm>
+          <a:prstGeom prst="rect">
+            <a:avLst/>
+          </a:prstGeom>
+        </p:spPr>
+      </p:pic>
+      <p:pic>
+        <p:nvPicPr>
+          <p:cNvPr id="5" name="Google Shape;87;p1">
+            <a:extLst>
+              <a:ext uri="{FF2B5EF4-FFF2-40B4-BE49-F238E27FC236}">
+                <a16:creationId xmlns:a16="http://schemas.microsoft.com/office/drawing/2014/main" id="{B880C247-065C-9EFA-C679-58D9C3D884C3}"/>
+              </a:ext>
+            </a:extLst>
+          </p:cNvPr>
+          <p:cNvPicPr preferRelativeResize="0"/>
+          <p:nvPr/>
+        </p:nvPicPr>
+        <p:blipFill rotWithShape="1">
+          <a:blip r:embed="rId4">
+            <a:alphaModFix/>
+          </a:blip>
+          <a:srcRect/>
+          <a:stretch/>
+        </p:blipFill>
+        <p:spPr>
+          <a:xfrm>
+            <a:off x="5319078" y="4407478"/>
+            <a:ext cx="1666801" cy="817925"/>
+          </a:xfrm>
+          <a:prstGeom prst="rect">
+            <a:avLst/>
+          </a:prstGeom>
+          <a:noFill/>
+          <a:ln>
+            <a:noFill/>
+          </a:ln>
+        </p:spPr>
+      </p:pic>
+      <p:pic>
+        <p:nvPicPr>
+          <p:cNvPr id="6" name="Google Shape;88;p1">
+            <a:extLst>
+              <a:ext uri="{FF2B5EF4-FFF2-40B4-BE49-F238E27FC236}">
+                <a16:creationId xmlns:a16="http://schemas.microsoft.com/office/drawing/2014/main" id="{11952D4A-FEE5-D309-0C1A-C292DE2F3602}"/>
+              </a:ext>
+            </a:extLst>
+          </p:cNvPr>
+          <p:cNvPicPr preferRelativeResize="0"/>
+          <p:nvPr/>
+        </p:nvPicPr>
+        <p:blipFill>
+          <a:blip r:embed="rId5">
+            <a:alphaModFix/>
+          </a:blip>
+          <a:stretch>
+            <a:fillRect/>
+          </a:stretch>
+        </p:blipFill>
+        <p:spPr>
+          <a:xfrm>
+            <a:off x="2052363" y="5308922"/>
+            <a:ext cx="1766350" cy="704550"/>
+          </a:xfrm>
+          <a:prstGeom prst="rect">
+            <a:avLst/>
+          </a:prstGeom>
+          <a:noFill/>
+          <a:ln>
+            <a:noFill/>
+          </a:ln>
+        </p:spPr>
+      </p:pic>
+      <p:pic>
+        <p:nvPicPr>
+          <p:cNvPr id="7" name="Google Shape;89;p1">
+            <a:extLst>
+              <a:ext uri="{FF2B5EF4-FFF2-40B4-BE49-F238E27FC236}">
+                <a16:creationId xmlns:a16="http://schemas.microsoft.com/office/drawing/2014/main" id="{A82956C5-2865-D142-E4BE-34772098B6AA}"/>
+              </a:ext>
+            </a:extLst>
+          </p:cNvPr>
+          <p:cNvPicPr preferRelativeResize="0"/>
+          <p:nvPr/>
+        </p:nvPicPr>
+        <p:blipFill>
+          <a:blip r:embed="rId6">
+            <a:alphaModFix/>
+          </a:blip>
+          <a:stretch>
+            <a:fillRect/>
+          </a:stretch>
+        </p:blipFill>
+        <p:spPr>
+          <a:xfrm>
+            <a:off x="6776836" y="5225403"/>
+            <a:ext cx="1481500" cy="969574"/>
+          </a:xfrm>
+          <a:prstGeom prst="rect">
+            <a:avLst/>
+          </a:prstGeom>
+          <a:noFill/>
+          <a:ln>
+            <a:noFill/>
+          </a:ln>
+        </p:spPr>
+      </p:pic>
+      <p:pic>
+        <p:nvPicPr>
+          <p:cNvPr id="15" name="Google Shape;88;p1">
+            <a:extLst>
+              <a:ext uri="{FF2B5EF4-FFF2-40B4-BE49-F238E27FC236}">
+                <a16:creationId xmlns:a16="http://schemas.microsoft.com/office/drawing/2014/main" id="{61DA5C0E-F699-2221-6C83-4D73F5108F5B}"/>
+              </a:ext>
+            </a:extLst>
+          </p:cNvPr>
+          <p:cNvPicPr preferRelativeResize="0"/>
+          <p:nvPr/>
+        </p:nvPicPr>
+        <p:blipFill>
+          <a:blip r:embed="rId7" cstate="hqprint">
+            <a:extLst>
+              <a:ext uri="{28A0092B-C50C-407E-A947-70E740481C1C}">
+                <a14:useLocalDpi xmlns:a14="http://schemas.microsoft.com/office/drawing/2010/main" val="0"/>
+              </a:ext>
+            </a:extLst>
+          </a:blip>
+          <a:srcRect/>
+          <a:stretch/>
+        </p:blipFill>
+        <p:spPr>
+          <a:xfrm>
+            <a:off x="4435903" y="5424948"/>
+            <a:ext cx="1766350" cy="472498"/>
+          </a:xfrm>
+          <a:prstGeom prst="rect">
+            <a:avLst/>
+          </a:prstGeom>
+          <a:noFill/>
+          <a:ln>
+            <a:noFill/>
+          </a:ln>
+        </p:spPr>
+      </p:pic>
     </p:spTree>
     <p:extLst>
       <p:ext uri="{BB962C8B-B14F-4D97-AF65-F5344CB8AC3E}">
-        <p14:creationId xmlns:p14="http://schemas.microsoft.com/office/powerpoint/2010/main" val="398173604"/>
+        <p14:creationId xmlns:p14="http://schemas.microsoft.com/office/powerpoint/2010/main" val="254046806"/>
       </p:ext>
     </p:extLst>
   </p:cSld>
@@ -4071,11 +4255,7 @@
           <a:p>
             <a:r>
               <a:rPr lang="en-US" b="1" dirty="0" smtClean="0"/>
-              <a:t>Current Steering DAC</a:t>
-            </a:r>
-            <a:r>
-              <a:rPr lang="en-US" b="1" dirty="0" smtClean="0"/>
-              <a:t> </a:t>
+              <a:t>Current Steering DAC </a:t>
             </a:r>
             <a:r>
               <a:rPr lang="en-US" b="1" dirty="0"/>
@@ -4370,8 +4550,8 @@
         </p:nvSpPr>
         <p:spPr>
           <a:xfrm>
-            <a:off x="1451981" y="424418"/>
-            <a:ext cx="8318303" cy="369332"/>
+            <a:off x="2596087" y="311877"/>
+            <a:ext cx="5974713" cy="369332"/>
           </a:xfrm>
           <a:prstGeom prst="rect">
             <a:avLst/>
@@ -4386,11 +4566,11 @@
           <a:p>
             <a:r>
               <a:rPr lang="en-US" b="1" dirty="0"/>
-              <a:t>Test bench to validate the </a:t>
+              <a:t>Test bench to validate </a:t>
             </a:r>
             <a:r>
               <a:rPr lang="en-US" b="1" dirty="0" smtClean="0"/>
-              <a:t>Current Steering DAC </a:t>
+              <a:t>the DAC </a:t>
             </a:r>
             <a:r>
               <a:rPr lang="en-US" b="1" dirty="0"/>
@@ -4489,11 +4669,7 @@
           <a:p>
             <a:r>
               <a:rPr lang="en-US" b="1" dirty="0" smtClean="0"/>
-              <a:t>Measurement of DAC </a:t>
-            </a:r>
-            <a:r>
-              <a:rPr lang="en-US" b="1" dirty="0" smtClean="0"/>
-              <a:t>Static transfer curve </a:t>
+              <a:t>Measurement of DAC Static transfer curve </a:t>
             </a:r>
             <a:endParaRPr lang="en-US" b="1" dirty="0"/>
           </a:p>

--- a/Diapositivas/DesignExampleRun_CurrentSteeringDAC.pptx
+++ b/Diapositivas/DesignExampleRun_CurrentSteeringDAC.pptx
@@ -3780,6 +3780,15 @@
               </a:rPr>
             </a:br>
             <a:r>
+              <a:rPr lang="en-US" sz="4000" dirty="0">
+                <a:solidFill>
+                  <a:srgbClr val="000000"/>
+                </a:solidFill>
+                <a:latin typeface="PT Sans Narrow" panose="020B0506020203020204" pitchFamily="34" charset="0"/>
+              </a:rPr>
+              <a:t>W</a:t>
+            </a:r>
+            <a:r>
               <a:rPr lang="en-US" sz="4000" b="0" i="0" u="none" strike="noStrike" noProof="0" dirty="0" smtClean="0">
                 <a:solidFill>
                   <a:srgbClr val="000000"/>
@@ -3787,7 +3796,17 @@
                 <a:effectLst/>
                 <a:latin typeface="PT Sans Narrow" panose="020B0506020203020204" pitchFamily="34" charset="0"/>
               </a:rPr>
-              <a:t>Current Steering DAC</a:t>
+              <a:t>-2WCurrent </a:t>
+            </a:r>
+            <a:r>
+              <a:rPr lang="en-US" sz="4000" b="0" i="0" u="none" strike="noStrike" noProof="0" dirty="0" smtClean="0">
+                <a:solidFill>
+                  <a:srgbClr val="000000"/>
+                </a:solidFill>
+                <a:effectLst/>
+                <a:latin typeface="PT Sans Narrow" panose="020B0506020203020204" pitchFamily="34" charset="0"/>
+              </a:rPr>
+              <a:t>Steering DAC</a:t>
             </a:r>
             <a:r>
               <a:rPr lang="en-US" sz="4000" b="0" i="0" u="none" strike="noStrike" noProof="0" dirty="0">
@@ -4137,8 +4156,8 @@
         </p:nvSpPr>
         <p:spPr>
           <a:xfrm>
-            <a:off x="1408936" y="418271"/>
-            <a:ext cx="3906839" cy="369332"/>
+            <a:off x="3687271" y="418271"/>
+            <a:ext cx="4596130" cy="369332"/>
           </a:xfrm>
           <a:prstGeom prst="rect">
             <a:avLst/>
@@ -4153,7 +4172,11 @@
           <a:p>
             <a:r>
               <a:rPr lang="en-US" b="1" dirty="0" smtClean="0"/>
-              <a:t>Current Steering DAC symbol</a:t>
+              <a:t>W-2W Current </a:t>
+            </a:r>
+            <a:r>
+              <a:rPr lang="en-US" b="1" dirty="0" smtClean="0"/>
+              <a:t>Steering DAC symbol</a:t>
             </a:r>
             <a:endParaRPr lang="en-US" b="1" dirty="0"/>
           </a:p>
@@ -4239,8 +4262,8 @@
         </p:nvSpPr>
         <p:spPr>
           <a:xfrm>
-            <a:off x="1408936" y="184332"/>
-            <a:ext cx="5009705" cy="369332"/>
+            <a:off x="4561318" y="325009"/>
+            <a:ext cx="3355406" cy="369332"/>
           </a:xfrm>
           <a:prstGeom prst="rect">
             <a:avLst/>
@@ -4255,7 +4278,7 @@
           <a:p>
             <a:r>
               <a:rPr lang="en-US" b="1" dirty="0" smtClean="0"/>
-              <a:t>Current Steering DAC </a:t>
+              <a:t>W-2W DAC </a:t>
             </a:r>
             <a:r>
               <a:rPr lang="en-US" b="1" dirty="0"/>

--- a/Diapositivas/DesignExampleRun_CurrentSteeringDAC.pptx
+++ b/Diapositivas/DesignExampleRun_CurrentSteeringDAC.pptx
@@ -8,7 +8,7 @@
     <p:notesMasterId r:id="rId9"/>
   </p:notesMasterIdLst>
   <p:sldIdLst>
-    <p:sldId id="267" r:id="rId2"/>
+    <p:sldId id="269" r:id="rId2"/>
     <p:sldId id="264" r:id="rId3"/>
     <p:sldId id="260" r:id="rId4"/>
     <p:sldId id="258" r:id="rId5"/>
@@ -3734,21 +3734,11 @@
           </a:bodyPr>
           <a:lstStyle/>
           <a:p>
-            <a:pPr rtl="0">
+            <a:pPr>
               <a:spcBef>
                 <a:spcPts val="1600"/>
               </a:spcBef>
             </a:pPr>
-            <a:r>
-              <a:rPr lang="en-US" sz="4000" b="1" i="0" u="none" strike="noStrike" noProof="0" dirty="0">
-                <a:solidFill>
-                  <a:srgbClr val="000000"/>
-                </a:solidFill>
-                <a:effectLst/>
-                <a:latin typeface="PT Sans Narrow" panose="020B0506020203020204" pitchFamily="34" charset="0"/>
-              </a:rPr>
-              <a:t>UNIC-CASS - Fulgor</a:t>
-            </a:r>
             <a:r>
               <a:rPr lang="en-US" sz="1100" b="0" noProof="0" dirty="0">
                 <a:effectLst/>
@@ -3761,23 +3751,29 @@
               </a:rPr>
             </a:br>
             <a:r>
-              <a:rPr lang="en-US" sz="4000" b="0" i="0" u="none" strike="noStrike" noProof="0" dirty="0">
+              <a:rPr lang="en-US" sz="4000" b="1" dirty="0">
                 <a:solidFill>
                   <a:srgbClr val="000000"/>
                 </a:solidFill>
-                <a:effectLst/>
                 <a:latin typeface="PT Sans Narrow" panose="020B0506020203020204" pitchFamily="34" charset="0"/>
               </a:rPr>
-              <a:t>Design Example Run</a:t>
-            </a:r>
-            <a:br>
-              <a:rPr lang="en-US" sz="4000" b="0" i="0" u="none" strike="noStrike" noProof="0" dirty="0">
+              <a:t>UNIC-CASS - </a:t>
+            </a:r>
+            <a:r>
+              <a:rPr lang="en-US" sz="4000" b="1" dirty="0" err="1">
                 <a:solidFill>
                   <a:srgbClr val="000000"/>
                 </a:solidFill>
-                <a:effectLst/>
                 <a:latin typeface="PT Sans Narrow" panose="020B0506020203020204" pitchFamily="34" charset="0"/>
               </a:rPr>
+              <a:t>Fulgor</a:t>
+            </a:r>
+            <a:r>
+              <a:rPr lang="en-US" sz="1100" dirty="0"/>
+              <a:t/>
+            </a:r>
+            <a:br>
+              <a:rPr lang="en-US" sz="1100" dirty="0"/>
             </a:br>
             <a:r>
               <a:rPr lang="en-US" sz="4000" dirty="0">
@@ -3786,27 +3782,24 @@
                 </a:solidFill>
                 <a:latin typeface="PT Sans Narrow" panose="020B0506020203020204" pitchFamily="34" charset="0"/>
               </a:rPr>
-              <a:t>W</a:t>
-            </a:r>
-            <a:r>
-              <a:rPr lang="en-US" sz="4000" b="0" i="0" u="none" strike="noStrike" noProof="0" dirty="0" smtClean="0">
+              <a:t>Design Example Run</a:t>
+            </a:r>
+            <a:br>
+              <a:rPr lang="en-US" sz="4000" dirty="0">
                 <a:solidFill>
                   <a:srgbClr val="000000"/>
                 </a:solidFill>
-                <a:effectLst/>
                 <a:latin typeface="PT Sans Narrow" panose="020B0506020203020204" pitchFamily="34" charset="0"/>
               </a:rPr>
-              <a:t>-2WCurrent </a:t>
-            </a:r>
-            <a:r>
-              <a:rPr lang="en-US" sz="4000" b="0" i="0" u="none" strike="noStrike" noProof="0" dirty="0" smtClean="0">
+            </a:br>
+            <a:r>
+              <a:rPr lang="en-US" sz="4000" dirty="0">
                 <a:solidFill>
                   <a:srgbClr val="000000"/>
                 </a:solidFill>
-                <a:effectLst/>
                 <a:latin typeface="PT Sans Narrow" panose="020B0506020203020204" pitchFamily="34" charset="0"/>
               </a:rPr>
-              <a:t>Steering DAC</a:t>
+              <a:t>W-2WCurrent Steering DAC</a:t>
             </a:r>
             <a:r>
               <a:rPr lang="en-US" sz="4000" b="0" i="0" u="none" strike="noStrike" noProof="0" dirty="0">
@@ -3960,7 +3953,7 @@
         </p:blipFill>
         <p:spPr>
           <a:xfrm>
-            <a:off x="8832919" y="5511443"/>
+            <a:off x="8467376" y="5482018"/>
             <a:ext cx="1649058" cy="299508"/>
           </a:xfrm>
           <a:prstGeom prst="rect">
@@ -4023,7 +4016,7 @@
         </p:blipFill>
         <p:spPr>
           <a:xfrm>
-            <a:off x="2052363" y="5308922"/>
+            <a:off x="2089366" y="5325175"/>
             <a:ext cx="1766350" cy="704550"/>
           </a:xfrm>
           <a:prstGeom prst="rect">
@@ -4057,7 +4050,7 @@
         </p:blipFill>
         <p:spPr>
           <a:xfrm>
-            <a:off x="6776836" y="5225403"/>
+            <a:off x="6152477" y="5225403"/>
             <a:ext cx="1481500" cy="969574"/>
           </a:xfrm>
           <a:prstGeom prst="rect">
@@ -4094,7 +4087,7 @@
         </p:blipFill>
         <p:spPr>
           <a:xfrm>
-            <a:off x="4435903" y="5424948"/>
+            <a:off x="4189415" y="5395523"/>
             <a:ext cx="1766350" cy="472498"/>
           </a:xfrm>
           <a:prstGeom prst="rect">
@@ -4106,10 +4099,58 @@
           </a:ln>
         </p:spPr>
       </p:pic>
+      <p:pic>
+        <p:nvPicPr>
+          <p:cNvPr id="3" name="Imagen 2"/>
+          <p:cNvPicPr>
+            <a:picLocks noChangeAspect="1"/>
+          </p:cNvPicPr>
+          <p:nvPr/>
+        </p:nvPicPr>
+        <p:blipFill>
+          <a:blip r:embed="rId8"/>
+          <a:stretch>
+            <a:fillRect/>
+          </a:stretch>
+        </p:blipFill>
+        <p:spPr>
+          <a:xfrm>
+            <a:off x="3319641" y="6058399"/>
+            <a:ext cx="3752407" cy="609766"/>
+          </a:xfrm>
+          <a:prstGeom prst="rect">
+            <a:avLst/>
+          </a:prstGeom>
+        </p:spPr>
+      </p:pic>
+      <p:pic>
+        <p:nvPicPr>
+          <p:cNvPr id="8" name="Imagen 7"/>
+          <p:cNvPicPr>
+            <a:picLocks noChangeAspect="1"/>
+          </p:cNvPicPr>
+          <p:nvPr/>
+        </p:nvPicPr>
+        <p:blipFill>
+          <a:blip r:embed="rId9"/>
+          <a:stretch>
+            <a:fillRect/>
+          </a:stretch>
+        </p:blipFill>
+        <p:spPr>
+          <a:xfrm>
+            <a:off x="7633977" y="5943045"/>
+            <a:ext cx="1386364" cy="740410"/>
+          </a:xfrm>
+          <a:prstGeom prst="rect">
+            <a:avLst/>
+          </a:prstGeom>
+        </p:spPr>
+      </p:pic>
     </p:spTree>
     <p:extLst>
       <p:ext uri="{BB962C8B-B14F-4D97-AF65-F5344CB8AC3E}">
-        <p14:creationId xmlns:p14="http://schemas.microsoft.com/office/powerpoint/2010/main" val="254046806"/>
+        <p14:creationId xmlns:p14="http://schemas.microsoft.com/office/powerpoint/2010/main" val="479041257"/>
       </p:ext>
     </p:extLst>
   </p:cSld>
@@ -4172,11 +4213,7 @@
           <a:p>
             <a:r>
               <a:rPr lang="en-US" b="1" dirty="0" smtClean="0"/>
-              <a:t>W-2W Current </a:t>
-            </a:r>
-            <a:r>
-              <a:rPr lang="en-US" b="1" dirty="0" smtClean="0"/>
-              <a:t>Steering DAC symbol</a:t>
+              <a:t>W-2W Current Steering DAC symbol</a:t>
             </a:r>
             <a:endParaRPr lang="en-US" b="1" dirty="0"/>
           </a:p>

--- a/Diapositivas/DesignExampleRun_CurrentSteeringDAC.pptx
+++ b/Diapositivas/DesignExampleRun_CurrentSteeringDAC.pptx
@@ -5,7 +5,7 @@
     <p:sldMasterId id="2147483648" r:id="rId1"/>
   </p:sldMasterIdLst>
   <p:notesMasterIdLst>
-    <p:notesMasterId r:id="rId9"/>
+    <p:notesMasterId r:id="rId10"/>
   </p:notesMasterIdLst>
   <p:sldIdLst>
     <p:sldId id="269" r:id="rId2"/>
@@ -15,6 +15,7 @@
     <p:sldId id="261" r:id="rId6"/>
     <p:sldId id="259" r:id="rId7"/>
     <p:sldId id="266" r:id="rId8"/>
+    <p:sldId id="270" r:id="rId9"/>
   </p:sldIdLst>
   <p:sldSz cx="12192000" cy="6858000"/>
   <p:notesSz cx="6858000" cy="9144000"/>
@@ -4769,6 +4770,228 @@
     <p:extLst>
       <p:ext uri="{BB962C8B-B14F-4D97-AF65-F5344CB8AC3E}">
         <p14:creationId xmlns:p14="http://schemas.microsoft.com/office/powerpoint/2010/main" val="114860447"/>
+      </p:ext>
+    </p:extLst>
+  </p:cSld>
+  <p:clrMapOvr>
+    <a:masterClrMapping/>
+  </p:clrMapOvr>
+</p:sld>
+</file>
+
+<file path=ppt/slides/slide8.xml><?xml version="1.0" encoding="utf-8"?>
+<p:sld xmlns:a="http://schemas.openxmlformats.org/drawingml/2006/main" xmlns:r="http://schemas.openxmlformats.org/officeDocument/2006/relationships" xmlns:p="http://schemas.openxmlformats.org/presentationml/2006/main">
+  <p:cSld>
+    <p:spTree>
+      <p:nvGrpSpPr>
+        <p:cNvPr id="1" name=""/>
+        <p:cNvGrpSpPr/>
+        <p:nvPr/>
+      </p:nvGrpSpPr>
+      <p:grpSpPr>
+        <a:xfrm>
+          <a:off x="0" y="0"/>
+          <a:ext cx="0" cy="0"/>
+          <a:chOff x="0" y="0"/>
+          <a:chExt cx="0" cy="0"/>
+        </a:xfrm>
+      </p:grpSpPr>
+      <p:sp>
+        <p:nvSpPr>
+          <p:cNvPr id="2" name="CuadroTexto 1">
+            <a:extLst>
+              <a:ext uri="{FF2B5EF4-FFF2-40B4-BE49-F238E27FC236}">
+                <a16:creationId xmlns:a16="http://schemas.microsoft.com/office/drawing/2014/main" id="{A7A6BB4C-C93D-C1D2-419E-82C2D8558645}"/>
+              </a:ext>
+            </a:extLst>
+          </p:cNvPr>
+          <p:cNvSpPr txBox="1"/>
+          <p:nvPr/>
+        </p:nvSpPr>
+        <p:spPr>
+          <a:xfrm>
+            <a:off x="4032070" y="402535"/>
+            <a:ext cx="4044697" cy="369332"/>
+          </a:xfrm>
+          <a:prstGeom prst="rect">
+            <a:avLst/>
+          </a:prstGeom>
+          <a:noFill/>
+        </p:spPr>
+        <p:txBody>
+          <a:bodyPr wrap="none" rtlCol="0">
+            <a:spAutoFit/>
+          </a:bodyPr>
+          <a:lstStyle/>
+          <a:p>
+            <a:r>
+              <a:rPr lang="en-US" b="1" dirty="0" smtClean="0"/>
+              <a:t>Linearity measurement</a:t>
+            </a:r>
+            <a:r>
+              <a:rPr lang="en-US" b="1" dirty="0" smtClean="0"/>
+              <a:t> curves</a:t>
+            </a:r>
+            <a:endParaRPr lang="en-US" b="1" dirty="0"/>
+          </a:p>
+        </p:txBody>
+      </p:sp>
+      <p:pic>
+        <p:nvPicPr>
+          <p:cNvPr id="3" name="Imagen 2"/>
+          <p:cNvPicPr>
+            <a:picLocks noChangeAspect="1"/>
+          </p:cNvPicPr>
+          <p:nvPr/>
+        </p:nvPicPr>
+        <p:blipFill>
+          <a:blip r:embed="rId2" cstate="hqprint">
+            <a:extLst>
+              <a:ext uri="{28A0092B-C50C-407E-A947-70E740481C1C}">
+                <a14:useLocalDpi xmlns:a14="http://schemas.microsoft.com/office/drawing/2010/main" val="0"/>
+              </a:ext>
+            </a:extLst>
+          </a:blip>
+          <a:stretch>
+            <a:fillRect/>
+          </a:stretch>
+        </p:blipFill>
+        <p:spPr>
+          <a:xfrm>
+            <a:off x="353360" y="872194"/>
+            <a:ext cx="5349435" cy="2674718"/>
+          </a:xfrm>
+          <a:prstGeom prst="rect">
+            <a:avLst/>
+          </a:prstGeom>
+        </p:spPr>
+      </p:pic>
+      <p:pic>
+        <p:nvPicPr>
+          <p:cNvPr id="5" name="Imagen 4"/>
+          <p:cNvPicPr>
+            <a:picLocks noChangeAspect="1"/>
+          </p:cNvPicPr>
+          <p:nvPr/>
+        </p:nvPicPr>
+        <p:blipFill>
+          <a:blip r:embed="rId3" cstate="hqprint">
+            <a:extLst>
+              <a:ext uri="{28A0092B-C50C-407E-A947-70E740481C1C}">
+                <a14:useLocalDpi xmlns:a14="http://schemas.microsoft.com/office/drawing/2010/main" val="0"/>
+              </a:ext>
+            </a:extLst>
+          </a:blip>
+          <a:stretch>
+            <a:fillRect/>
+          </a:stretch>
+        </p:blipFill>
+        <p:spPr>
+          <a:xfrm>
+            <a:off x="222731" y="3546912"/>
+            <a:ext cx="5468097" cy="2734049"/>
+          </a:xfrm>
+          <a:prstGeom prst="rect">
+            <a:avLst/>
+          </a:prstGeom>
+        </p:spPr>
+      </p:pic>
+      <p:pic>
+        <p:nvPicPr>
+          <p:cNvPr id="6" name="Imagen 5"/>
+          <p:cNvPicPr>
+            <a:picLocks noChangeAspect="1"/>
+          </p:cNvPicPr>
+          <p:nvPr/>
+        </p:nvPicPr>
+        <p:blipFill>
+          <a:blip r:embed="rId4" cstate="hqprint">
+            <a:extLst>
+              <a:ext uri="{28A0092B-C50C-407E-A947-70E740481C1C}">
+                <a14:useLocalDpi xmlns:a14="http://schemas.microsoft.com/office/drawing/2010/main" val="0"/>
+              </a:ext>
+            </a:extLst>
+          </a:blip>
+          <a:stretch>
+            <a:fillRect/>
+          </a:stretch>
+        </p:blipFill>
+        <p:spPr>
+          <a:xfrm>
+            <a:off x="5730744" y="872194"/>
+            <a:ext cx="5484061" cy="3133749"/>
+          </a:xfrm>
+          <a:prstGeom prst="rect">
+            <a:avLst/>
+          </a:prstGeom>
+        </p:spPr>
+      </p:pic>
+      <p:sp>
+        <p:nvSpPr>
+          <p:cNvPr id="7" name="CuadroTexto 6">
+            <a:extLst>
+              <a:ext uri="{FF2B5EF4-FFF2-40B4-BE49-F238E27FC236}">
+                <a16:creationId xmlns:a16="http://schemas.microsoft.com/office/drawing/2014/main" id="{A7A6BB4C-C93D-C1D2-419E-82C2D8558645}"/>
+              </a:ext>
+            </a:extLst>
+          </p:cNvPr>
+          <p:cNvSpPr txBox="1"/>
+          <p:nvPr/>
+        </p:nvSpPr>
+        <p:spPr>
+          <a:xfrm>
+            <a:off x="6054418" y="4834109"/>
+            <a:ext cx="5160387" cy="923330"/>
+          </a:xfrm>
+          <a:prstGeom prst="rect">
+            <a:avLst/>
+          </a:prstGeom>
+          <a:noFill/>
+        </p:spPr>
+        <p:txBody>
+          <a:bodyPr wrap="none" rtlCol="0">
+            <a:spAutoFit/>
+          </a:bodyPr>
+          <a:lstStyle/>
+          <a:p>
+            <a:pPr marL="285750" indent="-285750">
+              <a:buFont typeface="Arial" panose="020B0604020202020204" pitchFamily="34" charset="0"/>
+              <a:buChar char="•"/>
+            </a:pPr>
+            <a:r>
+              <a:rPr lang="en-US" b="1" dirty="0"/>
+              <a:t>These results are preliminary and </a:t>
+            </a:r>
+            <a:endParaRPr lang="en-US" b="1" dirty="0" smtClean="0"/>
+          </a:p>
+          <a:p>
+            <a:r>
+              <a:rPr lang="en-US" b="1" dirty="0" smtClean="0"/>
+              <a:t>are </a:t>
+            </a:r>
+            <a:r>
+              <a:rPr lang="en-US" b="1" dirty="0"/>
+              <a:t>planned to be improved through </a:t>
+            </a:r>
+            <a:endParaRPr lang="en-US" b="1" dirty="0" smtClean="0"/>
+          </a:p>
+          <a:p>
+            <a:r>
+              <a:rPr lang="en-US" b="1" dirty="0" smtClean="0"/>
+              <a:t>a </a:t>
+            </a:r>
+            <a:r>
+              <a:rPr lang="en-US" b="1" dirty="0"/>
+              <a:t>more robust design.</a:t>
+            </a:r>
+            <a:endParaRPr lang="en-US" b="1" dirty="0"/>
+          </a:p>
+        </p:txBody>
+      </p:sp>
+    </p:spTree>
+    <p:extLst>
+      <p:ext uri="{BB962C8B-B14F-4D97-AF65-F5344CB8AC3E}">
+        <p14:creationId xmlns:p14="http://schemas.microsoft.com/office/powerpoint/2010/main" val="2472044696"/>
       </p:ext>
     </p:extLst>
   </p:cSld>

--- a/Diapositivas/DesignExampleRun_CurrentSteeringDAC.pptx
+++ b/Diapositivas/DesignExampleRun_CurrentSteeringDAC.pptx
@@ -3794,13 +3794,22 @@
               </a:rPr>
             </a:br>
             <a:r>
+              <a:rPr lang="en-US" sz="4000" dirty="0" smtClean="0">
+                <a:solidFill>
+                  <a:srgbClr val="000000"/>
+                </a:solidFill>
+                <a:latin typeface="PT Sans Narrow" panose="020B0506020203020204" pitchFamily="34" charset="0"/>
+              </a:rPr>
+              <a:t>W-2W Current </a:t>
+            </a:r>
+            <a:r>
               <a:rPr lang="en-US" sz="4000" dirty="0">
                 <a:solidFill>
                   <a:srgbClr val="000000"/>
                 </a:solidFill>
                 <a:latin typeface="PT Sans Narrow" panose="020B0506020203020204" pitchFamily="34" charset="0"/>
               </a:rPr>
-              <a:t>W-2WCurrent Steering DAC</a:t>
+              <a:t>Steering DAC</a:t>
             </a:r>
             <a:r>
               <a:rPr lang="en-US" sz="4000" b="0" i="0" u="none" strike="noStrike" noProof="0" dirty="0">
@@ -4826,11 +4835,7 @@
           <a:p>
             <a:r>
               <a:rPr lang="en-US" b="1" dirty="0" smtClean="0"/>
-              <a:t>Linearity measurement</a:t>
-            </a:r>
-            <a:r>
-              <a:rPr lang="en-US" b="1" dirty="0" smtClean="0"/>
-              <a:t> curves</a:t>
+              <a:t>Linearity measurement curves</a:t>
             </a:r>
             <a:endParaRPr lang="en-US" b="1" dirty="0"/>
           </a:p>
@@ -4984,7 +4989,6 @@
               <a:rPr lang="en-US" b="1" dirty="0"/>
               <a:t>more robust design.</a:t>
             </a:r>
-            <a:endParaRPr lang="en-US" b="1" dirty="0"/>
           </a:p>
         </p:txBody>
       </p:sp>
